--- a/Figure/user_journey.pptx
+++ b/Figure/user_journey.pptx
@@ -104,6 +104,11 @@
       </a:defRPr>
     </a:lvl9pPr>
   </p:defaultTextStyle>
+  <p:extLst>
+    <p:ext uri="{EFAFB233-063F-42B5-8137-9DF3F51BA10A}">
+      <p15:sldGuideLst xmlns:p15="http://schemas.microsoft.com/office/powerpoint/2012/main"/>
+    </p:ext>
+  </p:extLst>
 </p:presentation>
 </file>
 
@@ -980,7 +985,11 @@
         <a:p>
           <a:r>
             <a:rPr lang="en-US" dirty="0" smtClean="0"/>
-            <a:t>Subscription plans</a:t>
+            <a:t>Subscription </a:t>
+          </a:r>
+          <a:r>
+            <a:rPr lang="en-US" dirty="0" smtClean="0"/>
+            <a:t>Plans</a:t>
           </a:r>
           <a:endParaRPr lang="en-US" dirty="0"/>
         </a:p>
@@ -1209,6 +1218,13 @@
         </dgm:presLayoutVars>
       </dgm:prSet>
       <dgm:spPr/>
+      <dgm:t>
+        <a:bodyPr/>
+        <a:lstStyle/>
+        <a:p>
+          <a:endParaRPr lang="en-US"/>
+        </a:p>
+      </dgm:t>
     </dgm:pt>
     <dgm:pt modelId="{D5A7354B-9151-4CCF-BDCE-46803EDEB1C2}" type="pres">
       <dgm:prSet presAssocID="{BBEE77B6-47C2-4068-9C8B-451506207142}" presName="levelTx" presStyleLbl="revTx" presStyleIdx="0" presStyleCnt="0">
@@ -1218,6 +1234,13 @@
         </dgm:presLayoutVars>
       </dgm:prSet>
       <dgm:spPr/>
+      <dgm:t>
+        <a:bodyPr/>
+        <a:lstStyle/>
+        <a:p>
+          <a:endParaRPr lang="en-US"/>
+        </a:p>
+      </dgm:t>
     </dgm:pt>
     <dgm:pt modelId="{00FF2186-7D7B-4644-A485-7AEC916A0868}" type="pres">
       <dgm:prSet presAssocID="{6C39B3A5-29B8-42E0-B7DC-7230BECF2B63}" presName="Name8" presStyleCnt="0"/>
@@ -1231,6 +1254,13 @@
         </dgm:presLayoutVars>
       </dgm:prSet>
       <dgm:spPr/>
+      <dgm:t>
+        <a:bodyPr/>
+        <a:lstStyle/>
+        <a:p>
+          <a:endParaRPr lang="en-US"/>
+        </a:p>
+      </dgm:t>
     </dgm:pt>
     <dgm:pt modelId="{6EA23736-147A-4244-91CA-8A47039516D5}" type="pres">
       <dgm:prSet presAssocID="{6C39B3A5-29B8-42E0-B7DC-7230BECF2B63}" presName="levelTx" presStyleLbl="revTx" presStyleIdx="0" presStyleCnt="0">
@@ -1240,6 +1270,13 @@
         </dgm:presLayoutVars>
       </dgm:prSet>
       <dgm:spPr/>
+      <dgm:t>
+        <a:bodyPr/>
+        <a:lstStyle/>
+        <a:p>
+          <a:endParaRPr lang="en-US"/>
+        </a:p>
+      </dgm:t>
     </dgm:pt>
     <dgm:pt modelId="{A461C68B-EC1A-490F-876F-3EF19F49FCFE}" type="pres">
       <dgm:prSet presAssocID="{F07FBC08-B68E-43B6-8E21-C747D1BE67E2}" presName="Name8" presStyleCnt="0"/>
@@ -1253,6 +1290,13 @@
         </dgm:presLayoutVars>
       </dgm:prSet>
       <dgm:spPr/>
+      <dgm:t>
+        <a:bodyPr/>
+        <a:lstStyle/>
+        <a:p>
+          <a:endParaRPr lang="en-US"/>
+        </a:p>
+      </dgm:t>
     </dgm:pt>
     <dgm:pt modelId="{24896771-1B00-4030-8A22-9ACCAC93306C}" type="pres">
       <dgm:prSet presAssocID="{F07FBC08-B68E-43B6-8E21-C747D1BE67E2}" presName="levelTx" presStyleLbl="revTx" presStyleIdx="0" presStyleCnt="0">
@@ -1262,6 +1306,13 @@
         </dgm:presLayoutVars>
       </dgm:prSet>
       <dgm:spPr/>
+      <dgm:t>
+        <a:bodyPr/>
+        <a:lstStyle/>
+        <a:p>
+          <a:endParaRPr lang="en-US"/>
+        </a:p>
+      </dgm:t>
     </dgm:pt>
     <dgm:pt modelId="{6704B1D4-2A6C-4616-A35D-4F9506E5C7FB}" type="pres">
       <dgm:prSet presAssocID="{C39C09C5-A5C5-42D0-9902-380494C8D7B4}" presName="Name8" presStyleCnt="0"/>
@@ -1587,7 +1638,11 @@
           </a:pPr>
           <a:r>
             <a:rPr lang="en-US" sz="3400" kern="1200" dirty="0" smtClean="0"/>
-            <a:t>Subscription plans</a:t>
+            <a:t>Subscription </a:t>
+          </a:r>
+          <a:r>
+            <a:rPr lang="en-US" sz="3400" kern="1200" dirty="0" smtClean="0"/>
+            <a:t>Plans</a:t>
           </a:r>
           <a:endParaRPr lang="en-US" sz="3400" kern="1200" dirty="0"/>
         </a:p>
@@ -5967,7 +6022,7 @@
           <p:nvPr>
             <p:extLst>
               <p:ext uri="{D42A27DB-BD31-4B8C-83A1-F6EECF244321}">
-                <p14:modId xmlns:p14="http://schemas.microsoft.com/office/powerpoint/2010/main" val="3476165450"/>
+                <p14:modId xmlns:p14="http://schemas.microsoft.com/office/powerpoint/2010/main" val="1718289743"/>
               </p:ext>
             </p:extLst>
           </p:nvPr>
